--- a/organisation.pptx
+++ b/organisation.pptx
@@ -156,7 +156,7 @@
           </a:lstStyle>
           <a:p>
             <a:r>
-              <a:rPr lang="fr-FR" smtClean="0"/>
+              <a:rPr lang="fr-FR"/>
               <a:t>Modifiez le style du titre</a:t>
             </a:r>
             <a:endParaRPr lang="en-US" dirty="0"/>
@@ -221,7 +221,7 @@
           </a:lstStyle>
           <a:p>
             <a:r>
-              <a:rPr lang="fr-FR" smtClean="0"/>
+              <a:rPr lang="fr-FR"/>
               <a:t>Modifier le style des sous-titres du masque</a:t>
             </a:r>
             <a:endParaRPr lang="en-US" dirty="0"/>
@@ -245,7 +245,7 @@
           <a:p>
             <a:fld id="{1BB3E4DA-C71C-4ED9-866F-5A0278C77694}" type="datetimeFigureOut">
               <a:rPr lang="fr-FR" smtClean="0"/>
-              <a:t>13/01/2023</a:t>
+              <a:t>17/05/2023</a:t>
             </a:fld>
             <a:endParaRPr lang="fr-FR"/>
           </a:p>
@@ -339,7 +339,7 @@
           <a:lstStyle/>
           <a:p>
             <a:r>
-              <a:rPr lang="fr-FR" smtClean="0"/>
+              <a:rPr lang="fr-FR"/>
               <a:t>Modifiez le style du titre</a:t>
             </a:r>
             <a:endParaRPr lang="en-US" dirty="0"/>
@@ -363,35 +363,35 @@
           <a:p>
             <a:pPr lvl="0"/>
             <a:r>
-              <a:rPr lang="fr-FR" smtClean="0"/>
+              <a:rPr lang="fr-FR"/>
               <a:t>Modifier les styles du texte du masque</a:t>
             </a:r>
           </a:p>
           <a:p>
             <a:pPr lvl="1"/>
             <a:r>
-              <a:rPr lang="fr-FR" smtClean="0"/>
+              <a:rPr lang="fr-FR"/>
               <a:t>Deuxième niveau</a:t>
             </a:r>
           </a:p>
           <a:p>
             <a:pPr lvl="2"/>
             <a:r>
-              <a:rPr lang="fr-FR" smtClean="0"/>
+              <a:rPr lang="fr-FR"/>
               <a:t>Troisième niveau</a:t>
             </a:r>
           </a:p>
           <a:p>
             <a:pPr lvl="3"/>
             <a:r>
-              <a:rPr lang="fr-FR" smtClean="0"/>
+              <a:rPr lang="fr-FR"/>
               <a:t>Quatrième niveau</a:t>
             </a:r>
           </a:p>
           <a:p>
             <a:pPr lvl="4"/>
             <a:r>
-              <a:rPr lang="fr-FR" smtClean="0"/>
+              <a:rPr lang="fr-FR"/>
               <a:t>Cinquième niveau</a:t>
             </a:r>
             <a:endParaRPr lang="en-US" dirty="0"/>
@@ -415,7 +415,7 @@
           <a:p>
             <a:fld id="{1BB3E4DA-C71C-4ED9-866F-5A0278C77694}" type="datetimeFigureOut">
               <a:rPr lang="fr-FR" smtClean="0"/>
-              <a:t>13/01/2023</a:t>
+              <a:t>17/05/2023</a:t>
             </a:fld>
             <a:endParaRPr lang="fr-FR"/>
           </a:p>
@@ -514,7 +514,7 @@
           <a:lstStyle/>
           <a:p>
             <a:r>
-              <a:rPr lang="fr-FR" smtClean="0"/>
+              <a:rPr lang="fr-FR"/>
               <a:t>Modifiez le style du titre</a:t>
             </a:r>
             <a:endParaRPr lang="en-US" dirty="0"/>
@@ -543,35 +543,35 @@
           <a:p>
             <a:pPr lvl="0"/>
             <a:r>
-              <a:rPr lang="fr-FR" smtClean="0"/>
+              <a:rPr lang="fr-FR"/>
               <a:t>Modifier les styles du texte du masque</a:t>
             </a:r>
           </a:p>
           <a:p>
             <a:pPr lvl="1"/>
             <a:r>
-              <a:rPr lang="fr-FR" smtClean="0"/>
+              <a:rPr lang="fr-FR"/>
               <a:t>Deuxième niveau</a:t>
             </a:r>
           </a:p>
           <a:p>
             <a:pPr lvl="2"/>
             <a:r>
-              <a:rPr lang="fr-FR" smtClean="0"/>
+              <a:rPr lang="fr-FR"/>
               <a:t>Troisième niveau</a:t>
             </a:r>
           </a:p>
           <a:p>
             <a:pPr lvl="3"/>
             <a:r>
-              <a:rPr lang="fr-FR" smtClean="0"/>
+              <a:rPr lang="fr-FR"/>
               <a:t>Quatrième niveau</a:t>
             </a:r>
           </a:p>
           <a:p>
             <a:pPr lvl="4"/>
             <a:r>
-              <a:rPr lang="fr-FR" smtClean="0"/>
+              <a:rPr lang="fr-FR"/>
               <a:t>Cinquième niveau</a:t>
             </a:r>
             <a:endParaRPr lang="en-US" dirty="0"/>
@@ -595,7 +595,7 @@
           <a:p>
             <a:fld id="{1BB3E4DA-C71C-4ED9-866F-5A0278C77694}" type="datetimeFigureOut">
               <a:rPr lang="fr-FR" smtClean="0"/>
-              <a:t>13/01/2023</a:t>
+              <a:t>17/05/2023</a:t>
             </a:fld>
             <a:endParaRPr lang="fr-FR"/>
           </a:p>
@@ -689,7 +689,7 @@
           <a:lstStyle/>
           <a:p>
             <a:r>
-              <a:rPr lang="fr-FR" smtClean="0"/>
+              <a:rPr lang="fr-FR"/>
               <a:t>Modifiez le style du titre</a:t>
             </a:r>
             <a:endParaRPr lang="en-US" dirty="0"/>
@@ -713,35 +713,35 @@
           <a:p>
             <a:pPr lvl="0"/>
             <a:r>
-              <a:rPr lang="fr-FR" smtClean="0"/>
+              <a:rPr lang="fr-FR"/>
               <a:t>Modifier les styles du texte du masque</a:t>
             </a:r>
           </a:p>
           <a:p>
             <a:pPr lvl="1"/>
             <a:r>
-              <a:rPr lang="fr-FR" smtClean="0"/>
+              <a:rPr lang="fr-FR"/>
               <a:t>Deuxième niveau</a:t>
             </a:r>
           </a:p>
           <a:p>
             <a:pPr lvl="2"/>
             <a:r>
-              <a:rPr lang="fr-FR" smtClean="0"/>
+              <a:rPr lang="fr-FR"/>
               <a:t>Troisième niveau</a:t>
             </a:r>
           </a:p>
           <a:p>
             <a:pPr lvl="3"/>
             <a:r>
-              <a:rPr lang="fr-FR" smtClean="0"/>
+              <a:rPr lang="fr-FR"/>
               <a:t>Quatrième niveau</a:t>
             </a:r>
           </a:p>
           <a:p>
             <a:pPr lvl="4"/>
             <a:r>
-              <a:rPr lang="fr-FR" smtClean="0"/>
+              <a:rPr lang="fr-FR"/>
               <a:t>Cinquième niveau</a:t>
             </a:r>
             <a:endParaRPr lang="en-US" dirty="0"/>
@@ -765,7 +765,7 @@
           <a:p>
             <a:fld id="{1BB3E4DA-C71C-4ED9-866F-5A0278C77694}" type="datetimeFigureOut">
               <a:rPr lang="fr-FR" smtClean="0"/>
-              <a:t>13/01/2023</a:t>
+              <a:t>17/05/2023</a:t>
             </a:fld>
             <a:endParaRPr lang="fr-FR"/>
           </a:p>
@@ -868,7 +868,7 @@
           </a:lstStyle>
           <a:p>
             <a:r>
-              <a:rPr lang="fr-FR" smtClean="0"/>
+              <a:rPr lang="fr-FR"/>
               <a:t>Modifiez le style du titre</a:t>
             </a:r>
             <a:endParaRPr lang="en-US" dirty="0"/>
@@ -986,7 +986,7 @@
           <a:p>
             <a:pPr lvl="0"/>
             <a:r>
-              <a:rPr lang="fr-FR" smtClean="0"/>
+              <a:rPr lang="fr-FR"/>
               <a:t>Modifier les styles du texte du masque</a:t>
             </a:r>
           </a:p>
@@ -1009,7 +1009,7 @@
           <a:p>
             <a:fld id="{1BB3E4DA-C71C-4ED9-866F-5A0278C77694}" type="datetimeFigureOut">
               <a:rPr lang="fr-FR" smtClean="0"/>
-              <a:t>13/01/2023</a:t>
+              <a:t>17/05/2023</a:t>
             </a:fld>
             <a:endParaRPr lang="fr-FR"/>
           </a:p>
@@ -1103,7 +1103,7 @@
           <a:lstStyle/>
           <a:p>
             <a:r>
-              <a:rPr lang="fr-FR" smtClean="0"/>
+              <a:rPr lang="fr-FR"/>
               <a:t>Modifiez le style du titre</a:t>
             </a:r>
             <a:endParaRPr lang="en-US" dirty="0"/>
@@ -1132,35 +1132,35 @@
           <a:p>
             <a:pPr lvl="0"/>
             <a:r>
-              <a:rPr lang="fr-FR" smtClean="0"/>
+              <a:rPr lang="fr-FR"/>
               <a:t>Modifier les styles du texte du masque</a:t>
             </a:r>
           </a:p>
           <a:p>
             <a:pPr lvl="1"/>
             <a:r>
-              <a:rPr lang="fr-FR" smtClean="0"/>
+              <a:rPr lang="fr-FR"/>
               <a:t>Deuxième niveau</a:t>
             </a:r>
           </a:p>
           <a:p>
             <a:pPr lvl="2"/>
             <a:r>
-              <a:rPr lang="fr-FR" smtClean="0"/>
+              <a:rPr lang="fr-FR"/>
               <a:t>Troisième niveau</a:t>
             </a:r>
           </a:p>
           <a:p>
             <a:pPr lvl="3"/>
             <a:r>
-              <a:rPr lang="fr-FR" smtClean="0"/>
+              <a:rPr lang="fr-FR"/>
               <a:t>Quatrième niveau</a:t>
             </a:r>
           </a:p>
           <a:p>
             <a:pPr lvl="4"/>
             <a:r>
-              <a:rPr lang="fr-FR" smtClean="0"/>
+              <a:rPr lang="fr-FR"/>
               <a:t>Cinquième niveau</a:t>
             </a:r>
             <a:endParaRPr lang="en-US" dirty="0"/>
@@ -1189,35 +1189,35 @@
           <a:p>
             <a:pPr lvl="0"/>
             <a:r>
-              <a:rPr lang="fr-FR" smtClean="0"/>
+              <a:rPr lang="fr-FR"/>
               <a:t>Modifier les styles du texte du masque</a:t>
             </a:r>
           </a:p>
           <a:p>
             <a:pPr lvl="1"/>
             <a:r>
-              <a:rPr lang="fr-FR" smtClean="0"/>
+              <a:rPr lang="fr-FR"/>
               <a:t>Deuxième niveau</a:t>
             </a:r>
           </a:p>
           <a:p>
             <a:pPr lvl="2"/>
             <a:r>
-              <a:rPr lang="fr-FR" smtClean="0"/>
+              <a:rPr lang="fr-FR"/>
               <a:t>Troisième niveau</a:t>
             </a:r>
           </a:p>
           <a:p>
             <a:pPr lvl="3"/>
             <a:r>
-              <a:rPr lang="fr-FR" smtClean="0"/>
+              <a:rPr lang="fr-FR"/>
               <a:t>Quatrième niveau</a:t>
             </a:r>
           </a:p>
           <a:p>
             <a:pPr lvl="4"/>
             <a:r>
-              <a:rPr lang="fr-FR" smtClean="0"/>
+              <a:rPr lang="fr-FR"/>
               <a:t>Cinquième niveau</a:t>
             </a:r>
             <a:endParaRPr lang="en-US" dirty="0"/>
@@ -1241,7 +1241,7 @@
           <a:p>
             <a:fld id="{1BB3E4DA-C71C-4ED9-866F-5A0278C77694}" type="datetimeFigureOut">
               <a:rPr lang="fr-FR" smtClean="0"/>
-              <a:t>13/01/2023</a:t>
+              <a:t>17/05/2023</a:t>
             </a:fld>
             <a:endParaRPr lang="fr-FR"/>
           </a:p>
@@ -1340,7 +1340,7 @@
           <a:lstStyle/>
           <a:p>
             <a:r>
-              <a:rPr lang="fr-FR" smtClean="0"/>
+              <a:rPr lang="fr-FR"/>
               <a:t>Modifiez le style du titre</a:t>
             </a:r>
             <a:endParaRPr lang="en-US" dirty="0"/>
@@ -1406,7 +1406,7 @@
           <a:p>
             <a:pPr lvl="0"/>
             <a:r>
-              <a:rPr lang="fr-FR" smtClean="0"/>
+              <a:rPr lang="fr-FR"/>
               <a:t>Modifier les styles du texte du masque</a:t>
             </a:r>
           </a:p>
@@ -1434,35 +1434,35 @@
           <a:p>
             <a:pPr lvl="0"/>
             <a:r>
-              <a:rPr lang="fr-FR" smtClean="0"/>
+              <a:rPr lang="fr-FR"/>
               <a:t>Modifier les styles du texte du masque</a:t>
             </a:r>
           </a:p>
           <a:p>
             <a:pPr lvl="1"/>
             <a:r>
-              <a:rPr lang="fr-FR" smtClean="0"/>
+              <a:rPr lang="fr-FR"/>
               <a:t>Deuxième niveau</a:t>
             </a:r>
           </a:p>
           <a:p>
             <a:pPr lvl="2"/>
             <a:r>
-              <a:rPr lang="fr-FR" smtClean="0"/>
+              <a:rPr lang="fr-FR"/>
               <a:t>Troisième niveau</a:t>
             </a:r>
           </a:p>
           <a:p>
             <a:pPr lvl="3"/>
             <a:r>
-              <a:rPr lang="fr-FR" smtClean="0"/>
+              <a:rPr lang="fr-FR"/>
               <a:t>Quatrième niveau</a:t>
             </a:r>
           </a:p>
           <a:p>
             <a:pPr lvl="4"/>
             <a:r>
-              <a:rPr lang="fr-FR" smtClean="0"/>
+              <a:rPr lang="fr-FR"/>
               <a:t>Cinquième niveau</a:t>
             </a:r>
             <a:endParaRPr lang="en-US" dirty="0"/>
@@ -1528,7 +1528,7 @@
           <a:p>
             <a:pPr lvl="0"/>
             <a:r>
-              <a:rPr lang="fr-FR" smtClean="0"/>
+              <a:rPr lang="fr-FR"/>
               <a:t>Modifier les styles du texte du masque</a:t>
             </a:r>
           </a:p>
@@ -1556,35 +1556,35 @@
           <a:p>
             <a:pPr lvl="0"/>
             <a:r>
-              <a:rPr lang="fr-FR" smtClean="0"/>
+              <a:rPr lang="fr-FR"/>
               <a:t>Modifier les styles du texte du masque</a:t>
             </a:r>
           </a:p>
           <a:p>
             <a:pPr lvl="1"/>
             <a:r>
-              <a:rPr lang="fr-FR" smtClean="0"/>
+              <a:rPr lang="fr-FR"/>
               <a:t>Deuxième niveau</a:t>
             </a:r>
           </a:p>
           <a:p>
             <a:pPr lvl="2"/>
             <a:r>
-              <a:rPr lang="fr-FR" smtClean="0"/>
+              <a:rPr lang="fr-FR"/>
               <a:t>Troisième niveau</a:t>
             </a:r>
           </a:p>
           <a:p>
             <a:pPr lvl="3"/>
             <a:r>
-              <a:rPr lang="fr-FR" smtClean="0"/>
+              <a:rPr lang="fr-FR"/>
               <a:t>Quatrième niveau</a:t>
             </a:r>
           </a:p>
           <a:p>
             <a:pPr lvl="4"/>
             <a:r>
-              <a:rPr lang="fr-FR" smtClean="0"/>
+              <a:rPr lang="fr-FR"/>
               <a:t>Cinquième niveau</a:t>
             </a:r>
             <a:endParaRPr lang="en-US" dirty="0"/>
@@ -1608,7 +1608,7 @@
           <a:p>
             <a:fld id="{1BB3E4DA-C71C-4ED9-866F-5A0278C77694}" type="datetimeFigureOut">
               <a:rPr lang="fr-FR" smtClean="0"/>
-              <a:t>13/01/2023</a:t>
+              <a:t>17/05/2023</a:t>
             </a:fld>
             <a:endParaRPr lang="fr-FR"/>
           </a:p>
@@ -1702,7 +1702,7 @@
           <a:lstStyle/>
           <a:p>
             <a:r>
-              <a:rPr lang="fr-FR" smtClean="0"/>
+              <a:rPr lang="fr-FR"/>
               <a:t>Modifiez le style du titre</a:t>
             </a:r>
             <a:endParaRPr lang="en-US" dirty="0"/>
@@ -1726,7 +1726,7 @@
           <a:p>
             <a:fld id="{1BB3E4DA-C71C-4ED9-866F-5A0278C77694}" type="datetimeFigureOut">
               <a:rPr lang="fr-FR" smtClean="0"/>
-              <a:t>13/01/2023</a:t>
+              <a:t>17/05/2023</a:t>
             </a:fld>
             <a:endParaRPr lang="fr-FR"/>
           </a:p>
@@ -1821,7 +1821,7 @@
           <a:p>
             <a:fld id="{1BB3E4DA-C71C-4ED9-866F-5A0278C77694}" type="datetimeFigureOut">
               <a:rPr lang="fr-FR" smtClean="0"/>
-              <a:t>13/01/2023</a:t>
+              <a:t>17/05/2023</a:t>
             </a:fld>
             <a:endParaRPr lang="fr-FR"/>
           </a:p>
@@ -1924,7 +1924,7 @@
           </a:lstStyle>
           <a:p>
             <a:r>
-              <a:rPr lang="fr-FR" smtClean="0"/>
+              <a:rPr lang="fr-FR"/>
               <a:t>Modifiez le style du titre</a:t>
             </a:r>
             <a:endParaRPr lang="en-US" dirty="0"/>
@@ -1981,35 +1981,35 @@
           <a:p>
             <a:pPr lvl="0"/>
             <a:r>
-              <a:rPr lang="fr-FR" smtClean="0"/>
+              <a:rPr lang="fr-FR"/>
               <a:t>Modifier les styles du texte du masque</a:t>
             </a:r>
           </a:p>
           <a:p>
             <a:pPr lvl="1"/>
             <a:r>
-              <a:rPr lang="fr-FR" smtClean="0"/>
+              <a:rPr lang="fr-FR"/>
               <a:t>Deuxième niveau</a:t>
             </a:r>
           </a:p>
           <a:p>
             <a:pPr lvl="2"/>
             <a:r>
-              <a:rPr lang="fr-FR" smtClean="0"/>
+              <a:rPr lang="fr-FR"/>
               <a:t>Troisième niveau</a:t>
             </a:r>
           </a:p>
           <a:p>
             <a:pPr lvl="3"/>
             <a:r>
-              <a:rPr lang="fr-FR" smtClean="0"/>
+              <a:rPr lang="fr-FR"/>
               <a:t>Quatrième niveau</a:t>
             </a:r>
           </a:p>
           <a:p>
             <a:pPr lvl="4"/>
             <a:r>
-              <a:rPr lang="fr-FR" smtClean="0"/>
+              <a:rPr lang="fr-FR"/>
               <a:t>Cinquième niveau</a:t>
             </a:r>
             <a:endParaRPr lang="en-US" dirty="0"/>
@@ -2075,7 +2075,7 @@
           <a:p>
             <a:pPr lvl="0"/>
             <a:r>
-              <a:rPr lang="fr-FR" smtClean="0"/>
+              <a:rPr lang="fr-FR"/>
               <a:t>Modifier les styles du texte du masque</a:t>
             </a:r>
           </a:p>
@@ -2098,7 +2098,7 @@
           <a:p>
             <a:fld id="{1BB3E4DA-C71C-4ED9-866F-5A0278C77694}" type="datetimeFigureOut">
               <a:rPr lang="fr-FR" smtClean="0"/>
-              <a:t>13/01/2023</a:t>
+              <a:t>17/05/2023</a:t>
             </a:fld>
             <a:endParaRPr lang="fr-FR"/>
           </a:p>
@@ -2201,7 +2201,7 @@
           </a:lstStyle>
           <a:p>
             <a:r>
-              <a:rPr lang="fr-FR" smtClean="0"/>
+              <a:rPr lang="fr-FR"/>
               <a:t>Modifiez le style du titre</a:t>
             </a:r>
             <a:endParaRPr lang="en-US" dirty="0"/>
@@ -2266,7 +2266,7 @@
           </a:lstStyle>
           <a:p>
             <a:r>
-              <a:rPr lang="fr-FR" smtClean="0"/>
+              <a:rPr lang="fr-FR"/>
               <a:t>Cliquez sur l'icône pour ajouter une image</a:t>
             </a:r>
             <a:endParaRPr lang="en-US" dirty="0"/>
@@ -2332,7 +2332,7 @@
           <a:p>
             <a:pPr lvl="0"/>
             <a:r>
-              <a:rPr lang="fr-FR" smtClean="0"/>
+              <a:rPr lang="fr-FR"/>
               <a:t>Modifier les styles du texte du masque</a:t>
             </a:r>
           </a:p>
@@ -2355,7 +2355,7 @@
           <a:p>
             <a:fld id="{1BB3E4DA-C71C-4ED9-866F-5A0278C77694}" type="datetimeFigureOut">
               <a:rPr lang="fr-FR" smtClean="0"/>
-              <a:t>13/01/2023</a:t>
+              <a:t>17/05/2023</a:t>
             </a:fld>
             <a:endParaRPr lang="fr-FR"/>
           </a:p>
@@ -2464,7 +2464,7 @@
           <a:lstStyle/>
           <a:p>
             <a:r>
-              <a:rPr lang="fr-FR" smtClean="0"/>
+              <a:rPr lang="fr-FR"/>
               <a:t>Modifiez le style du titre</a:t>
             </a:r>
             <a:endParaRPr lang="en-US" dirty="0"/>
@@ -2498,35 +2498,35 @@
           <a:p>
             <a:pPr lvl="0"/>
             <a:r>
-              <a:rPr lang="fr-FR" smtClean="0"/>
+              <a:rPr lang="fr-FR"/>
               <a:t>Modifier les styles du texte du masque</a:t>
             </a:r>
           </a:p>
           <a:p>
             <a:pPr lvl="1"/>
             <a:r>
-              <a:rPr lang="fr-FR" smtClean="0"/>
+              <a:rPr lang="fr-FR"/>
               <a:t>Deuxième niveau</a:t>
             </a:r>
           </a:p>
           <a:p>
             <a:pPr lvl="2"/>
             <a:r>
-              <a:rPr lang="fr-FR" smtClean="0"/>
+              <a:rPr lang="fr-FR"/>
               <a:t>Troisième niveau</a:t>
             </a:r>
           </a:p>
           <a:p>
             <a:pPr lvl="3"/>
             <a:r>
-              <a:rPr lang="fr-FR" smtClean="0"/>
+              <a:rPr lang="fr-FR"/>
               <a:t>Quatrième niveau</a:t>
             </a:r>
           </a:p>
           <a:p>
             <a:pPr lvl="4"/>
             <a:r>
-              <a:rPr lang="fr-FR" smtClean="0"/>
+              <a:rPr lang="fr-FR"/>
               <a:t>Cinquième niveau</a:t>
             </a:r>
             <a:endParaRPr lang="en-US" dirty="0"/>
@@ -2568,7 +2568,7 @@
           <a:p>
             <a:fld id="{1BB3E4DA-C71C-4ED9-866F-5A0278C77694}" type="datetimeFigureOut">
               <a:rPr lang="fr-FR" smtClean="0"/>
-              <a:t>13/01/2023</a:t>
+              <a:t>17/05/2023</a:t>
             </a:fld>
             <a:endParaRPr lang="fr-FR"/>
           </a:p>
@@ -2683,7 +2683,7 @@
               </a:spcAft>
             </a:pPr>
             <a:r>
-              <a:rPr lang="fr-FR" sz="1000" smtClean="0">
+              <a:rPr lang="fr-FR" sz="1000">
                 <a:solidFill>
                   <a:srgbClr val="FF8C00"/>
                 </a:solidFill>
@@ -2691,12 +2691,6 @@
               </a:rPr>
               <a:t>C2 - Confidential</a:t>
             </a:r>
-            <a:endParaRPr lang="fr-FR" sz="1000">
-              <a:solidFill>
-                <a:srgbClr val="FF8C00"/>
-              </a:solidFill>
-              <a:latin typeface="Calibri" panose="020F0502020204030204" pitchFamily="34" charset="0"/>
-            </a:endParaRPr>
           </a:p>
         </p:txBody>
       </p:sp>
@@ -3090,16 +3084,12 @@
           <a:lstStyle/>
           <a:p>
             <a:r>
-              <a:rPr lang="fr-FR" b="1" dirty="0" smtClean="0">
+              <a:rPr lang="fr-FR" b="1" dirty="0">
                 <a:latin typeface="Arial" panose="020B0604020202020204" pitchFamily="34" charset="0"/>
                 <a:cs typeface="Arial" panose="020B0604020202020204" pitchFamily="34" charset="0"/>
               </a:rPr>
               <a:t>Organisation des programmes d’exploration</a:t>
             </a:r>
-            <a:endParaRPr lang="fr-FR" b="1" dirty="0">
-              <a:latin typeface="Arial" panose="020B0604020202020204" pitchFamily="34" charset="0"/>
-              <a:cs typeface="Arial" panose="020B0604020202020204" pitchFamily="34" charset="0"/>
-            </a:endParaRPr>
           </a:p>
         </p:txBody>
       </p:sp>
@@ -3157,7 +3147,7 @@
           <a:p>
             <a:pPr algn="ctr"/>
             <a:r>
-              <a:rPr lang="fr-FR" sz="1400" b="1" u="sng" dirty="0" smtClean="0">
+              <a:rPr lang="fr-FR" sz="1400" b="1" u="sng" dirty="0">
                 <a:latin typeface="Arial" panose="020B0604020202020204" pitchFamily="34" charset="0"/>
                 <a:cs typeface="Arial" panose="020B0604020202020204" pitchFamily="34" charset="0"/>
               </a:rPr>
@@ -3184,7 +3174,7 @@
           <a:p>
             <a:pPr algn="ctr"/>
             <a:r>
-              <a:rPr lang="fr-FR" sz="1400" dirty="0" err="1" smtClean="0">
+              <a:rPr lang="fr-FR" sz="1400" dirty="0" err="1">
                 <a:latin typeface="Arial" panose="020B0604020202020204" pitchFamily="34" charset="0"/>
                 <a:cs typeface="Arial" panose="020B0604020202020204" pitchFamily="34" charset="0"/>
               </a:rPr>
@@ -3221,16 +3211,12 @@
           <a:p>
             <a:pPr algn="ctr"/>
             <a:r>
-              <a:rPr lang="fr-FR" sz="1400" dirty="0" smtClean="0">
+              <a:rPr lang="fr-FR" sz="1400" dirty="0">
                 <a:latin typeface="Arial" panose="020B0604020202020204" pitchFamily="34" charset="0"/>
                 <a:cs typeface="Arial" panose="020B0604020202020204" pitchFamily="34" charset="0"/>
               </a:rPr>
               <a:t>dedicated_script.py</a:t>
             </a:r>
-            <a:endParaRPr lang="fr-FR" sz="1400" dirty="0">
-              <a:latin typeface="Arial" panose="020B0604020202020204" pitchFamily="34" charset="0"/>
-              <a:cs typeface="Arial" panose="020B0604020202020204" pitchFamily="34" charset="0"/>
-            </a:endParaRPr>
           </a:p>
         </p:txBody>
       </p:sp>
@@ -3242,8 +3228,8 @@
         </p:nvSpPr>
         <p:spPr>
           <a:xfrm>
-            <a:off x="5464967" y="1826409"/>
-            <a:ext cx="1845378" cy="523220"/>
+            <a:off x="5961898" y="1826409"/>
+            <a:ext cx="851516" cy="307777"/>
           </a:xfrm>
           <a:prstGeom prst="rect">
             <a:avLst/>
@@ -3257,48 +3243,13 @@
           <a:lstStyle/>
           <a:p>
             <a:pPr algn="ctr"/>
-            <a:r>
-              <a:rPr lang="fr-FR" sz="1400" dirty="0" err="1">
-                <a:latin typeface="Arial" panose="020B0604020202020204" pitchFamily="34" charset="0"/>
-                <a:cs typeface="Arial" panose="020B0604020202020204" pitchFamily="34" charset="0"/>
-              </a:rPr>
-              <a:t>Copied_reports</a:t>
-            </a:r>
-            <a:r>
-              <a:rPr lang="fr-FR" sz="1400" dirty="0" smtClean="0">
-                <a:latin typeface="Arial" panose="020B0604020202020204" pitchFamily="34" charset="0"/>
-                <a:cs typeface="Arial" panose="020B0604020202020204" pitchFamily="34" charset="0"/>
-              </a:rPr>
-              <a:t>_</a:t>
-            </a:r>
-          </a:p>
-          <a:p>
-            <a:pPr algn="ctr"/>
-            <a:r>
-              <a:rPr lang="fr-FR" sz="1400" dirty="0" smtClean="0">
-                <a:latin typeface="Arial" panose="020B0604020202020204" pitchFamily="34" charset="0"/>
-                <a:cs typeface="Arial" panose="020B0604020202020204" pitchFamily="34" charset="0"/>
-              </a:rPr>
-              <a:t>2022_07_19 </a:t>
-            </a:r>
             <a:r>
               <a:rPr lang="fr-FR" sz="1400" dirty="0">
                 <a:latin typeface="Arial" panose="020B0604020202020204" pitchFamily="34" charset="0"/>
                 <a:cs typeface="Arial" panose="020B0604020202020204" pitchFamily="34" charset="0"/>
               </a:rPr>
-              <a:t>- </a:t>
-            </a:r>
-            <a:r>
-              <a:rPr lang="fr-FR" sz="1400" dirty="0" smtClean="0">
-                <a:latin typeface="Arial" panose="020B0604020202020204" pitchFamily="34" charset="0"/>
-                <a:cs typeface="Arial" panose="020B0604020202020204" pitchFamily="34" charset="0"/>
-              </a:rPr>
-              <a:t>v0.csv</a:t>
-            </a:r>
-            <a:endParaRPr lang="fr-FR" sz="1400" dirty="0">
-              <a:latin typeface="Arial" panose="020B0604020202020204" pitchFamily="34" charset="0"/>
-              <a:cs typeface="Arial" panose="020B0604020202020204" pitchFamily="34" charset="0"/>
-            </a:endParaRPr>
+              <a:t>data.csv</a:t>
+            </a:r>
           </a:p>
         </p:txBody>
       </p:sp>
@@ -3440,16 +3391,12 @@
           <a:p>
             <a:pPr algn="ctr"/>
             <a:r>
-              <a:rPr lang="fr-FR" sz="1400" dirty="0" smtClean="0">
+              <a:rPr lang="fr-FR" sz="1400" dirty="0">
                 <a:latin typeface="Arial" panose="020B0604020202020204" pitchFamily="34" charset="0"/>
                 <a:cs typeface="Arial" panose="020B0604020202020204" pitchFamily="34" charset="0"/>
               </a:rPr>
               <a:t>Data</a:t>
             </a:r>
-            <a:endParaRPr lang="fr-FR" sz="1400" dirty="0">
-              <a:latin typeface="Arial" panose="020B0604020202020204" pitchFamily="34" charset="0"/>
-              <a:cs typeface="Arial" panose="020B0604020202020204" pitchFamily="34" charset="0"/>
-            </a:endParaRPr>
           </a:p>
         </p:txBody>
       </p:sp>
@@ -3644,7 +3591,7 @@
           <a:lstStyle/>
           <a:p>
             <a:r>
-              <a:rPr lang="fr-FR" sz="1400" b="1" u="sng" dirty="0" smtClean="0">
+              <a:rPr lang="fr-FR" sz="1400" b="1" u="sng" dirty="0">
                 <a:latin typeface="Arial" panose="020B0604020202020204" pitchFamily="34" charset="0"/>
                 <a:cs typeface="Arial" panose="020B0604020202020204" pitchFamily="34" charset="0"/>
               </a:rPr>
@@ -3653,16 +3600,12 @@
           </a:p>
           <a:p>
             <a:r>
-              <a:rPr lang="fr-FR" sz="1400" b="1" u="sng" dirty="0" smtClean="0">
+              <a:rPr lang="fr-FR" sz="1400" b="1" u="sng" dirty="0">
                 <a:latin typeface="Arial" panose="020B0604020202020204" pitchFamily="34" charset="0"/>
                 <a:cs typeface="Arial" panose="020B0604020202020204" pitchFamily="34" charset="0"/>
               </a:rPr>
               <a:t>dédié</a:t>
             </a:r>
-            <a:endParaRPr lang="fr-FR" sz="1400" b="1" u="sng" dirty="0">
-              <a:latin typeface="Arial" panose="020B0604020202020204" pitchFamily="34" charset="0"/>
-              <a:cs typeface="Arial" panose="020B0604020202020204" pitchFamily="34" charset="0"/>
-            </a:endParaRPr>
           </a:p>
         </p:txBody>
       </p:sp>
@@ -3689,7 +3632,7 @@
           <a:lstStyle/>
           <a:p>
             <a:r>
-              <a:rPr lang="fr-FR" sz="1400" b="1" u="sng" dirty="0" smtClean="0">
+              <a:rPr lang="fr-FR" sz="1400" b="1" u="sng" dirty="0">
                 <a:latin typeface="Arial" panose="020B0604020202020204" pitchFamily="34" charset="0"/>
                 <a:cs typeface="Arial" panose="020B0604020202020204" pitchFamily="34" charset="0"/>
               </a:rPr>
@@ -3698,16 +3641,12 @@
           </a:p>
           <a:p>
             <a:r>
-              <a:rPr lang="fr-FR" sz="1400" b="1" u="sng" dirty="0" smtClean="0">
+              <a:rPr lang="fr-FR" sz="1400" b="1" u="sng" dirty="0">
                 <a:latin typeface="Arial" panose="020B0604020202020204" pitchFamily="34" charset="0"/>
                 <a:cs typeface="Arial" panose="020B0604020202020204" pitchFamily="34" charset="0"/>
               </a:rPr>
               <a:t>standards</a:t>
             </a:r>
-            <a:endParaRPr lang="fr-FR" sz="1400" b="1" u="sng" dirty="0">
-              <a:latin typeface="Arial" panose="020B0604020202020204" pitchFamily="34" charset="0"/>
-              <a:cs typeface="Arial" panose="020B0604020202020204" pitchFamily="34" charset="0"/>
-            </a:endParaRPr>
           </a:p>
         </p:txBody>
       </p:sp>
@@ -3734,16 +3673,12 @@
           <a:lstStyle/>
           <a:p>
             <a:r>
-              <a:rPr lang="fr-FR" sz="1400" b="1" u="sng" dirty="0" smtClean="0">
+              <a:rPr lang="fr-FR" sz="1400" b="1" u="sng" dirty="0">
                 <a:latin typeface="Arial" panose="020B0604020202020204" pitchFamily="34" charset="0"/>
                 <a:cs typeface="Arial" panose="020B0604020202020204" pitchFamily="34" charset="0"/>
               </a:rPr>
               <a:t>Données</a:t>
             </a:r>
-            <a:endParaRPr lang="fr-FR" sz="1400" b="1" u="sng" dirty="0">
-              <a:latin typeface="Arial" panose="020B0604020202020204" pitchFamily="34" charset="0"/>
-              <a:cs typeface="Arial" panose="020B0604020202020204" pitchFamily="34" charset="0"/>
-            </a:endParaRPr>
           </a:p>
         </p:txBody>
       </p:sp>
@@ -3819,7 +3754,7 @@
           <a:p>
             <a:pPr algn="ctr"/>
             <a:r>
-              <a:rPr lang="fr-FR" sz="1400" dirty="0" err="1" smtClean="0">
+              <a:rPr lang="fr-FR" sz="1400" dirty="0" err="1">
                 <a:latin typeface="Arial" panose="020B0604020202020204" pitchFamily="34" charset="0"/>
                 <a:cs typeface="Arial" panose="020B0604020202020204" pitchFamily="34" charset="0"/>
               </a:rPr>
@@ -3938,16 +3873,12 @@
           <a:p>
             <a:pPr algn="ctr"/>
             <a:r>
-              <a:rPr lang="fr-FR" sz="1400" dirty="0" smtClean="0">
+              <a:rPr lang="fr-FR" sz="1400" dirty="0">
                 <a:latin typeface="Arial" panose="020B0604020202020204" pitchFamily="34" charset="0"/>
                 <a:cs typeface="Arial" panose="020B0604020202020204" pitchFamily="34" charset="0"/>
               </a:rPr>
               <a:t>std_ml.py</a:t>
             </a:r>
-            <a:endParaRPr lang="fr-FR" sz="1400" dirty="0">
-              <a:latin typeface="Arial" panose="020B0604020202020204" pitchFamily="34" charset="0"/>
-              <a:cs typeface="Arial" panose="020B0604020202020204" pitchFamily="34" charset="0"/>
-            </a:endParaRPr>
           </a:p>
         </p:txBody>
       </p:sp>
@@ -3975,16 +3906,12 @@
           <a:p>
             <a:pPr algn="ctr"/>
             <a:r>
-              <a:rPr lang="fr-FR" sz="1400" dirty="0" smtClean="0">
+              <a:rPr lang="fr-FR" sz="1400" dirty="0">
                 <a:latin typeface="Arial" panose="020B0604020202020204" pitchFamily="34" charset="0"/>
                 <a:cs typeface="Arial" panose="020B0604020202020204" pitchFamily="34" charset="0"/>
               </a:rPr>
               <a:t>std_q7</a:t>
             </a:r>
-            <a:endParaRPr lang="fr-FR" sz="1400" dirty="0">
-              <a:latin typeface="Arial" panose="020B0604020202020204" pitchFamily="34" charset="0"/>
-              <a:cs typeface="Arial" panose="020B0604020202020204" pitchFamily="34" charset="0"/>
-            </a:endParaRPr>
           </a:p>
         </p:txBody>
       </p:sp>
@@ -4094,16 +4021,12 @@
           <a:p>
             <a:pPr algn="ctr"/>
             <a:r>
-              <a:rPr lang="fr-FR" sz="1400" dirty="0" smtClean="0">
+              <a:rPr lang="fr-FR" sz="1400" dirty="0">
                 <a:latin typeface="Arial" panose="020B0604020202020204" pitchFamily="34" charset="0"/>
                 <a:cs typeface="Arial" panose="020B0604020202020204" pitchFamily="34" charset="0"/>
               </a:rPr>
               <a:t>std_q7.py</a:t>
             </a:r>
-            <a:endParaRPr lang="fr-FR" sz="1400" dirty="0">
-              <a:latin typeface="Arial" panose="020B0604020202020204" pitchFamily="34" charset="0"/>
-              <a:cs typeface="Arial" panose="020B0604020202020204" pitchFamily="34" charset="0"/>
-            </a:endParaRPr>
           </a:p>
         </p:txBody>
       </p:sp>
@@ -4321,8 +4244,8 @@
         </p:nvSpPr>
         <p:spPr>
           <a:xfrm>
-            <a:off x="4949200" y="1051560"/>
-            <a:ext cx="4133840" cy="3129467"/>
+            <a:off x="6408225" y="1739855"/>
+            <a:ext cx="2315448" cy="1752878"/>
           </a:xfrm>
           <a:prstGeom prst="roundRect">
             <a:avLst>
@@ -4502,19 +4425,8 @@
                 <a:latin typeface="Arial" panose="020B0604020202020204" pitchFamily="34" charset="0"/>
                 <a:cs typeface="Arial" panose="020B0604020202020204" pitchFamily="34" charset="0"/>
               </a:rPr>
-              <a:t> </a:t>
-            </a:r>
-            <a:r>
-              <a:rPr lang="fr-FR" b="1" dirty="0" smtClean="0">
-                <a:latin typeface="Arial" panose="020B0604020202020204" pitchFamily="34" charset="0"/>
-                <a:cs typeface="Arial" panose="020B0604020202020204" pitchFamily="34" charset="0"/>
-              </a:rPr>
-              <a:t>»</a:t>
-            </a:r>
-            <a:endParaRPr lang="fr-FR" b="1" dirty="0">
-              <a:latin typeface="Arial" panose="020B0604020202020204" pitchFamily="34" charset="0"/>
-              <a:cs typeface="Arial" panose="020B0604020202020204" pitchFamily="34" charset="0"/>
-            </a:endParaRPr>
+              <a:t> »</a:t>
+            </a:r>
           </a:p>
         </p:txBody>
       </p:sp>
@@ -4572,14 +4484,14 @@
           <a:p>
             <a:pPr algn="ctr"/>
             <a:r>
-              <a:rPr lang="fr-FR" sz="1400" dirty="0" err="1" smtClean="0">
+              <a:rPr lang="fr-FR" sz="1400" dirty="0" err="1">
                 <a:latin typeface="Arial" panose="020B0604020202020204" pitchFamily="34" charset="0"/>
                 <a:cs typeface="Arial" panose="020B0604020202020204" pitchFamily="34" charset="0"/>
               </a:rPr>
               <a:t>source_data</a:t>
             </a:r>
             <a:r>
-              <a:rPr lang="fr-FR" sz="1400" dirty="0" smtClean="0">
+              <a:rPr lang="fr-FR" sz="1400" dirty="0">
                 <a:latin typeface="Arial" panose="020B0604020202020204" pitchFamily="34" charset="0"/>
                 <a:cs typeface="Arial" panose="020B0604020202020204" pitchFamily="34" charset="0"/>
               </a:rPr>
@@ -4589,7 +4501,7 @@
           <a:p>
             <a:pPr algn="ctr"/>
             <a:r>
-              <a:rPr lang="fr-FR" sz="1400" dirty="0" err="1" smtClean="0">
+              <a:rPr lang="fr-FR" sz="1400" dirty="0" err="1">
                 <a:latin typeface="Arial" panose="020B0604020202020204" pitchFamily="34" charset="0"/>
                 <a:cs typeface="Arial" panose="020B0604020202020204" pitchFamily="34" charset="0"/>
               </a:rPr>
@@ -4666,7 +4578,7 @@
         </p:blipFill>
         <p:spPr bwMode="auto">
           <a:xfrm>
-            <a:off x="6632131" y="1127655"/>
+            <a:off x="7181960" y="1964673"/>
             <a:ext cx="811420" cy="811420"/>
           </a:xfrm>
           <a:prstGeom prst="rect">
@@ -4686,29 +4598,6 @@
       </p:pic>
       <p:pic>
         <p:nvPicPr>
-          <p:cNvPr id="3" name="Image 2"/>
-          <p:cNvPicPr>
-            <a:picLocks noChangeAspect="1"/>
-          </p:cNvPicPr>
-          <p:nvPr/>
-        </p:nvPicPr>
-        <p:blipFill rotWithShape="1">
-          <a:blip r:embed="rId5"/>
-          <a:srcRect l="9096"/>
-          <a:stretch/>
-        </p:blipFill>
-        <p:spPr>
-          <a:xfrm>
-            <a:off x="5186522" y="2379274"/>
-            <a:ext cx="3702637" cy="1613641"/>
-          </a:xfrm>
-          <a:prstGeom prst="rect">
-            <a:avLst/>
-          </a:prstGeom>
-        </p:spPr>
-      </p:pic>
-      <p:pic>
-        <p:nvPicPr>
           <p:cNvPr id="5" name="Image 4"/>
           <p:cNvPicPr>
             <a:picLocks noChangeAspect="1"/>
@@ -4716,7 +4605,7 @@
           <p:nvPr/>
         </p:nvPicPr>
         <p:blipFill>
-          <a:blip r:embed="rId6"/>
+          <a:blip r:embed="rId5"/>
           <a:stretch>
             <a:fillRect/>
           </a:stretch>
@@ -4818,56 +4707,6 @@
           </a:effectRef>
           <a:fontRef idx="minor">
             <a:schemeClr val="accent4"/>
-          </a:fontRef>
-        </p:style>
-        <p:txBody>
-          <a:bodyPr rtlCol="0" anchor="ctr"/>
-          <a:lstStyle/>
-          <a:p>
-            <a:pPr algn="ctr"/>
-            <a:endParaRPr lang="fr-FR"/>
-          </a:p>
-        </p:txBody>
-      </p:sp>
-      <p:sp>
-        <p:nvSpPr>
-          <p:cNvPr id="52" name="Rectangle à coins arrondis 51"/>
-          <p:cNvSpPr/>
-          <p:nvPr/>
-        </p:nvSpPr>
-        <p:spPr>
-          <a:xfrm>
-            <a:off x="5078232" y="2320796"/>
-            <a:ext cx="3934031" cy="1801753"/>
-          </a:xfrm>
-          <a:prstGeom prst="roundRect">
-            <a:avLst>
-              <a:gd name="adj" fmla="val 7229"/>
-            </a:avLst>
-          </a:prstGeom>
-          <a:noFill/>
-          <a:ln w="38100" cap="flat" cmpd="sng" algn="ctr">
-            <a:solidFill>
-              <a:schemeClr val="accent2"/>
-            </a:solidFill>
-            <a:prstDash val="solid"/>
-            <a:round/>
-            <a:headEnd type="none" w="med" len="med"/>
-            <a:tailEnd type="none" w="med" len="med"/>
-          </a:ln>
-        </p:spPr>
-        <p:style>
-          <a:lnRef idx="0">
-            <a:scrgbClr r="0" g="0" b="0"/>
-          </a:lnRef>
-          <a:fillRef idx="0">
-            <a:scrgbClr r="0" g="0" b="0"/>
-          </a:fillRef>
-          <a:effectRef idx="0">
-            <a:scrgbClr r="0" g="0" b="0"/>
-          </a:effectRef>
-          <a:fontRef idx="minor">
-            <a:schemeClr val="accent2"/>
           </a:fontRef>
         </p:style>
         <p:txBody>
@@ -4964,13 +4803,16 @@
       <p:cxnSp>
         <p:nvCxnSpPr>
           <p:cNvPr id="54" name="Connecteur droit avec flèche 53"/>
-          <p:cNvCxnSpPr/>
+          <p:cNvCxnSpPr>
+            <a:cxnSpLocks/>
+            <a:stCxn id="67" idx="2"/>
+          </p:cNvCxnSpPr>
           <p:nvPr/>
         </p:nvCxnSpPr>
         <p:spPr>
           <a:xfrm flipH="1">
-            <a:off x="7443551" y="4181027"/>
-            <a:ext cx="471929" cy="1266627"/>
+            <a:off x="7359805" y="3492733"/>
+            <a:ext cx="206144" cy="1937911"/>
           </a:xfrm>
           <a:prstGeom prst="straightConnector1">
             <a:avLst/>
@@ -5023,21 +4865,21 @@
           <a:lstStyle/>
           <a:p>
             <a:r>
-              <a:rPr lang="fr-FR" sz="1400" dirty="0" smtClean="0">
+              <a:rPr lang="fr-FR" sz="1400" dirty="0">
                 <a:latin typeface="Arial" panose="020B0604020202020204" pitchFamily="34" charset="0"/>
                 <a:cs typeface="Arial" panose="020B0604020202020204" pitchFamily="34" charset="0"/>
               </a:rPr>
               <a:t>→ Le « </a:t>
             </a:r>
             <a:r>
-              <a:rPr lang="fr-FR" sz="1400" i="1" dirty="0" smtClean="0">
+              <a:rPr lang="fr-FR" sz="1400" i="1" dirty="0">
                 <a:latin typeface="Arial" panose="020B0604020202020204" pitchFamily="34" charset="0"/>
                 <a:cs typeface="Arial" panose="020B0604020202020204" pitchFamily="34" charset="0"/>
               </a:rPr>
               <a:t>Model</a:t>
             </a:r>
             <a:r>
-              <a:rPr lang="fr-FR" sz="1400" dirty="0" smtClean="0">
+              <a:rPr lang="fr-FR" sz="1400" dirty="0">
                 <a:latin typeface="Arial" panose="020B0604020202020204" pitchFamily="34" charset="0"/>
                 <a:cs typeface="Arial" panose="020B0604020202020204" pitchFamily="34" charset="0"/>
               </a:rPr>
@@ -5046,16 +4888,12 @@
           </a:p>
           <a:p>
             <a:r>
-              <a:rPr lang="fr-FR" sz="1400" dirty="0" smtClean="0">
+              <a:rPr lang="fr-FR" sz="1400" dirty="0">
                 <a:latin typeface="Arial" panose="020B0604020202020204" pitchFamily="34" charset="0"/>
                 <a:cs typeface="Arial" panose="020B0604020202020204" pitchFamily="34" charset="0"/>
               </a:rPr>
               <a:t>mais le programme qui va interroger la base de données.</a:t>
             </a:r>
-            <a:endParaRPr lang="fr-FR" sz="1400" dirty="0">
-              <a:latin typeface="Arial" panose="020B0604020202020204" pitchFamily="34" charset="0"/>
-              <a:cs typeface="Arial" panose="020B0604020202020204" pitchFamily="34" charset="0"/>
-            </a:endParaRPr>
           </a:p>
         </p:txBody>
       </p:sp>
@@ -5067,7 +4905,7 @@
         </p:nvSpPr>
         <p:spPr>
           <a:xfrm>
-            <a:off x="6174462" y="1941607"/>
+            <a:off x="6724291" y="2778625"/>
             <a:ext cx="1726755" cy="307777"/>
           </a:xfrm>
           <a:prstGeom prst="rect">
@@ -5083,16 +4921,12 @@
           <a:p>
             <a:pPr algn="ctr"/>
             <a:r>
-              <a:rPr lang="fr-FR" sz="1400" dirty="0" smtClean="0">
+              <a:rPr lang="fr-FR" sz="1400" dirty="0">
                 <a:latin typeface="Arial" panose="020B0604020202020204" pitchFamily="34" charset="0"/>
                 <a:cs typeface="Arial" panose="020B0604020202020204" pitchFamily="34" charset="0"/>
               </a:rPr>
               <a:t>dedicated_script.py</a:t>
             </a:r>
-            <a:endParaRPr lang="fr-FR" sz="1400" dirty="0">
-              <a:latin typeface="Arial" panose="020B0604020202020204" pitchFamily="34" charset="0"/>
-              <a:cs typeface="Arial" panose="020B0604020202020204" pitchFamily="34" charset="0"/>
-            </a:endParaRPr>
           </a:p>
         </p:txBody>
       </p:sp>
@@ -5197,7 +5031,7 @@
           <a:lstStyle/>
           <a:p>
             <a:r>
-              <a:rPr lang="fr-FR" b="1" dirty="0" smtClean="0">
+              <a:rPr lang="fr-FR" b="1" dirty="0">
                 <a:latin typeface="Arial" panose="020B0604020202020204" pitchFamily="34" charset="0"/>
                 <a:cs typeface="Arial" panose="020B0604020202020204" pitchFamily="34" charset="0"/>
               </a:rPr>
@@ -5264,7 +5098,7 @@
           <a:p>
             <a:pPr algn="ctr"/>
             <a:r>
-              <a:rPr lang="fr-FR" sz="1400" dirty="0" err="1" smtClean="0">
+              <a:rPr lang="fr-FR" sz="1400" dirty="0" err="1">
                 <a:latin typeface="Arial" panose="020B0604020202020204" pitchFamily="34" charset="0"/>
                 <a:cs typeface="Arial" panose="020B0604020202020204" pitchFamily="34" charset="0"/>
               </a:rPr>
@@ -5383,16 +5217,12 @@
           <a:p>
             <a:pPr algn="ctr"/>
             <a:r>
-              <a:rPr lang="fr-FR" sz="1400" dirty="0" smtClean="0">
+              <a:rPr lang="fr-FR" sz="1400" dirty="0">
                 <a:latin typeface="Arial" panose="020B0604020202020204" pitchFamily="34" charset="0"/>
                 <a:cs typeface="Arial" panose="020B0604020202020204" pitchFamily="34" charset="0"/>
               </a:rPr>
               <a:t>std_ml.py</a:t>
             </a:r>
-            <a:endParaRPr lang="fr-FR" sz="1400" dirty="0">
-              <a:latin typeface="Arial" panose="020B0604020202020204" pitchFamily="34" charset="0"/>
-              <a:cs typeface="Arial" panose="020B0604020202020204" pitchFamily="34" charset="0"/>
-            </a:endParaRPr>
           </a:p>
         </p:txBody>
       </p:sp>
@@ -5420,16 +5250,12 @@
           <a:p>
             <a:pPr algn="ctr"/>
             <a:r>
-              <a:rPr lang="fr-FR" sz="1400" dirty="0" smtClean="0">
+              <a:rPr lang="fr-FR" sz="1400" dirty="0">
                 <a:latin typeface="Arial" panose="020B0604020202020204" pitchFamily="34" charset="0"/>
                 <a:cs typeface="Arial" panose="020B0604020202020204" pitchFamily="34" charset="0"/>
               </a:rPr>
               <a:t>std_q7</a:t>
             </a:r>
-            <a:endParaRPr lang="fr-FR" sz="1400" dirty="0">
-              <a:latin typeface="Arial" panose="020B0604020202020204" pitchFamily="34" charset="0"/>
-              <a:cs typeface="Arial" panose="020B0604020202020204" pitchFamily="34" charset="0"/>
-            </a:endParaRPr>
           </a:p>
         </p:txBody>
       </p:sp>
@@ -5539,16 +5365,12 @@
           <a:p>
             <a:pPr algn="ctr"/>
             <a:r>
-              <a:rPr lang="fr-FR" sz="1400" dirty="0" smtClean="0">
+              <a:rPr lang="fr-FR" sz="1400" dirty="0">
                 <a:latin typeface="Arial" panose="020B0604020202020204" pitchFamily="34" charset="0"/>
                 <a:cs typeface="Arial" panose="020B0604020202020204" pitchFamily="34" charset="0"/>
               </a:rPr>
               <a:t>std_q7.py</a:t>
             </a:r>
-            <a:endParaRPr lang="fr-FR" sz="1400" dirty="0">
-              <a:latin typeface="Arial" panose="020B0604020202020204" pitchFamily="34" charset="0"/>
-              <a:cs typeface="Arial" panose="020B0604020202020204" pitchFamily="34" charset="0"/>
-            </a:endParaRPr>
           </a:p>
         </p:txBody>
       </p:sp>
@@ -5774,16 +5596,12 @@
           <a:p>
             <a:pPr algn="ctr"/>
             <a:r>
-              <a:rPr lang="fr-FR" sz="1400" b="1" dirty="0" smtClean="0">
+              <a:rPr lang="fr-FR" sz="1400" b="1" dirty="0">
                 <a:latin typeface="Arial" panose="020B0604020202020204" pitchFamily="34" charset="0"/>
                 <a:cs typeface="Arial" panose="020B0604020202020204" pitchFamily="34" charset="0"/>
               </a:rPr>
               <a:t>std_ml.py</a:t>
             </a:r>
-            <a:endParaRPr lang="fr-FR" sz="1400" b="1" dirty="0">
-              <a:latin typeface="Arial" panose="020B0604020202020204" pitchFamily="34" charset="0"/>
-              <a:cs typeface="Arial" panose="020B0604020202020204" pitchFamily="34" charset="0"/>
-            </a:endParaRPr>
           </a:p>
         </p:txBody>
       </p:sp>
@@ -5811,16 +5629,12 @@
           <a:p>
             <a:pPr algn="ctr"/>
             <a:r>
-              <a:rPr lang="fr-FR" sz="1400" b="1" dirty="0" smtClean="0">
+              <a:rPr lang="fr-FR" sz="1400" b="1" dirty="0">
                 <a:latin typeface="Arial" panose="020B0604020202020204" pitchFamily="34" charset="0"/>
                 <a:cs typeface="Arial" panose="020B0604020202020204" pitchFamily="34" charset="0"/>
               </a:rPr>
               <a:t>std_q7.py</a:t>
             </a:r>
-            <a:endParaRPr lang="fr-FR" sz="1400" b="1" dirty="0">
-              <a:latin typeface="Arial" panose="020B0604020202020204" pitchFamily="34" charset="0"/>
-              <a:cs typeface="Arial" panose="020B0604020202020204" pitchFamily="34" charset="0"/>
-            </a:endParaRPr>
           </a:p>
         </p:txBody>
       </p:sp>

--- a/organisation.pptx
+++ b/organisation.pptx
@@ -7,7 +7,6 @@
   <p:sldIdLst>
     <p:sldId id="256" r:id="rId2"/>
     <p:sldId id="257" r:id="rId3"/>
-    <p:sldId id="258" r:id="rId4"/>
   </p:sldIdLst>
   <p:sldSz cx="9144000" cy="6858000" type="screen4x3"/>
   <p:notesSz cx="6858000" cy="9144000"/>
@@ -245,7 +244,7 @@
           <a:p>
             <a:fld id="{1BB3E4DA-C71C-4ED9-866F-5A0278C77694}" type="datetimeFigureOut">
               <a:rPr lang="fr-FR" smtClean="0"/>
-              <a:t>17/05/2023</a:t>
+              <a:t>28/05/2023</a:t>
             </a:fld>
             <a:endParaRPr lang="fr-FR"/>
           </a:p>
@@ -415,7 +414,7 @@
           <a:p>
             <a:fld id="{1BB3E4DA-C71C-4ED9-866F-5A0278C77694}" type="datetimeFigureOut">
               <a:rPr lang="fr-FR" smtClean="0"/>
-              <a:t>17/05/2023</a:t>
+              <a:t>28/05/2023</a:t>
             </a:fld>
             <a:endParaRPr lang="fr-FR"/>
           </a:p>
@@ -595,7 +594,7 @@
           <a:p>
             <a:fld id="{1BB3E4DA-C71C-4ED9-866F-5A0278C77694}" type="datetimeFigureOut">
               <a:rPr lang="fr-FR" smtClean="0"/>
-              <a:t>17/05/2023</a:t>
+              <a:t>28/05/2023</a:t>
             </a:fld>
             <a:endParaRPr lang="fr-FR"/>
           </a:p>
@@ -765,7 +764,7 @@
           <a:p>
             <a:fld id="{1BB3E4DA-C71C-4ED9-866F-5A0278C77694}" type="datetimeFigureOut">
               <a:rPr lang="fr-FR" smtClean="0"/>
-              <a:t>17/05/2023</a:t>
+              <a:t>28/05/2023</a:t>
             </a:fld>
             <a:endParaRPr lang="fr-FR"/>
           </a:p>
@@ -1009,7 +1008,7 @@
           <a:p>
             <a:fld id="{1BB3E4DA-C71C-4ED9-866F-5A0278C77694}" type="datetimeFigureOut">
               <a:rPr lang="fr-FR" smtClean="0"/>
-              <a:t>17/05/2023</a:t>
+              <a:t>28/05/2023</a:t>
             </a:fld>
             <a:endParaRPr lang="fr-FR"/>
           </a:p>
@@ -1241,7 +1240,7 @@
           <a:p>
             <a:fld id="{1BB3E4DA-C71C-4ED9-866F-5A0278C77694}" type="datetimeFigureOut">
               <a:rPr lang="fr-FR" smtClean="0"/>
-              <a:t>17/05/2023</a:t>
+              <a:t>28/05/2023</a:t>
             </a:fld>
             <a:endParaRPr lang="fr-FR"/>
           </a:p>
@@ -1608,7 +1607,7 @@
           <a:p>
             <a:fld id="{1BB3E4DA-C71C-4ED9-866F-5A0278C77694}" type="datetimeFigureOut">
               <a:rPr lang="fr-FR" smtClean="0"/>
-              <a:t>17/05/2023</a:t>
+              <a:t>28/05/2023</a:t>
             </a:fld>
             <a:endParaRPr lang="fr-FR"/>
           </a:p>
@@ -1726,7 +1725,7 @@
           <a:p>
             <a:fld id="{1BB3E4DA-C71C-4ED9-866F-5A0278C77694}" type="datetimeFigureOut">
               <a:rPr lang="fr-FR" smtClean="0"/>
-              <a:t>17/05/2023</a:t>
+              <a:t>28/05/2023</a:t>
             </a:fld>
             <a:endParaRPr lang="fr-FR"/>
           </a:p>
@@ -1821,7 +1820,7 @@
           <a:p>
             <a:fld id="{1BB3E4DA-C71C-4ED9-866F-5A0278C77694}" type="datetimeFigureOut">
               <a:rPr lang="fr-FR" smtClean="0"/>
-              <a:t>17/05/2023</a:t>
+              <a:t>28/05/2023</a:t>
             </a:fld>
             <a:endParaRPr lang="fr-FR"/>
           </a:p>
@@ -2098,7 +2097,7 @@
           <a:p>
             <a:fld id="{1BB3E4DA-C71C-4ED9-866F-5A0278C77694}" type="datetimeFigureOut">
               <a:rPr lang="fr-FR" smtClean="0"/>
-              <a:t>17/05/2023</a:t>
+              <a:t>28/05/2023</a:t>
             </a:fld>
             <a:endParaRPr lang="fr-FR"/>
           </a:p>
@@ -2355,7 +2354,7 @@
           <a:p>
             <a:fld id="{1BB3E4DA-C71C-4ED9-866F-5A0278C77694}" type="datetimeFigureOut">
               <a:rPr lang="fr-FR" smtClean="0"/>
-              <a:t>17/05/2023</a:t>
+              <a:t>28/05/2023</a:t>
             </a:fld>
             <a:endParaRPr lang="fr-FR"/>
           </a:p>
@@ -2568,7 +2567,7 @@
           <a:p>
             <a:fld id="{1BB3E4DA-C71C-4ED9-866F-5A0278C77694}" type="datetimeFigureOut">
               <a:rPr lang="fr-FR" smtClean="0"/>
-              <a:t>17/05/2023</a:t>
+              <a:t>28/05/2023</a:t>
             </a:fld>
             <a:endParaRPr lang="fr-FR"/>
           </a:p>
@@ -4383,49 +4382,7 @@
                 <a:latin typeface="Arial" panose="020B0604020202020204" pitchFamily="34" charset="0"/>
                 <a:cs typeface="Arial" panose="020B0604020202020204" pitchFamily="34" charset="0"/>
               </a:rPr>
-              <a:t>Schéma MVC « </a:t>
-            </a:r>
-            <a:r>
-              <a:rPr lang="fr-FR" b="1" i="1" dirty="0">
-                <a:latin typeface="Arial" panose="020B0604020202020204" pitchFamily="34" charset="0"/>
-                <a:cs typeface="Arial" panose="020B0604020202020204" pitchFamily="34" charset="0"/>
-              </a:rPr>
-              <a:t>Model</a:t>
-            </a:r>
-            <a:r>
-              <a:rPr lang="fr-FR" b="1" dirty="0">
-                <a:latin typeface="Arial" panose="020B0604020202020204" pitchFamily="34" charset="0"/>
-                <a:cs typeface="Arial" panose="020B0604020202020204" pitchFamily="34" charset="0"/>
-              </a:rPr>
-              <a:t> / </a:t>
-            </a:r>
-            <a:r>
-              <a:rPr lang="fr-FR" b="1" i="1" dirty="0">
-                <a:latin typeface="Arial" panose="020B0604020202020204" pitchFamily="34" charset="0"/>
-                <a:cs typeface="Arial" panose="020B0604020202020204" pitchFamily="34" charset="0"/>
-              </a:rPr>
-              <a:t>View</a:t>
-            </a:r>
-            <a:r>
-              <a:rPr lang="fr-FR" b="1" dirty="0">
-                <a:latin typeface="Arial" panose="020B0604020202020204" pitchFamily="34" charset="0"/>
-                <a:cs typeface="Arial" panose="020B0604020202020204" pitchFamily="34" charset="0"/>
-              </a:rPr>
-              <a:t> / </a:t>
-            </a:r>
-            <a:r>
-              <a:rPr lang="fr-FR" b="1" i="1" dirty="0">
-                <a:latin typeface="Arial" panose="020B0604020202020204" pitchFamily="34" charset="0"/>
-                <a:cs typeface="Arial" panose="020B0604020202020204" pitchFamily="34" charset="0"/>
-              </a:rPr>
-              <a:t>Controller</a:t>
-            </a:r>
-            <a:r>
-              <a:rPr lang="fr-FR" b="1" dirty="0">
-                <a:latin typeface="Arial" panose="020B0604020202020204" pitchFamily="34" charset="0"/>
-                <a:cs typeface="Arial" panose="020B0604020202020204" pitchFamily="34" charset="0"/>
-              </a:rPr>
-              <a:t> »</a:t>
+              <a:t>Model / View / Controller</a:t>
             </a:r>
           </a:p>
         </p:txBody>
@@ -4934,714 +4891,6 @@
     <p:extLst>
       <p:ext uri="{BB962C8B-B14F-4D97-AF65-F5344CB8AC3E}">
         <p14:creationId xmlns:p14="http://schemas.microsoft.com/office/powerpoint/2010/main" val="351026618"/>
-      </p:ext>
-    </p:extLst>
-  </p:cSld>
-  <p:clrMapOvr>
-    <a:masterClrMapping/>
-  </p:clrMapOvr>
-</p:sld>
-</file>
-
-<file path=ppt/slides/slide3.xml><?xml version="1.0" encoding="utf-8"?>
-<p:sld xmlns:a="http://schemas.openxmlformats.org/drawingml/2006/main" xmlns:r="http://schemas.openxmlformats.org/officeDocument/2006/relationships" xmlns:p="http://schemas.openxmlformats.org/presentationml/2006/main">
-  <p:cSld>
-    <p:spTree>
-      <p:nvGrpSpPr>
-        <p:cNvPr id="1" name=""/>
-        <p:cNvGrpSpPr/>
-        <p:nvPr/>
-      </p:nvGrpSpPr>
-      <p:grpSpPr>
-        <a:xfrm>
-          <a:off x="0" y="0"/>
-          <a:ext cx="0" cy="0"/>
-          <a:chOff x="0" y="0"/>
-          <a:chExt cx="0" cy="0"/>
-        </a:xfrm>
-      </p:grpSpPr>
-      <p:sp>
-        <p:nvSpPr>
-          <p:cNvPr id="34" name="Rectangle à coins arrondis 33"/>
-          <p:cNvSpPr/>
-          <p:nvPr/>
-        </p:nvSpPr>
-        <p:spPr>
-          <a:xfrm>
-            <a:off x="102083" y="2532419"/>
-            <a:ext cx="4321914" cy="2510236"/>
-          </a:xfrm>
-          <a:prstGeom prst="roundRect">
-            <a:avLst>
-              <a:gd name="adj" fmla="val 7406"/>
-            </a:avLst>
-          </a:prstGeom>
-          <a:solidFill>
-            <a:schemeClr val="accent3">
-              <a:alpha val="50000"/>
-            </a:schemeClr>
-          </a:solidFill>
-          <a:ln>
-            <a:noFill/>
-          </a:ln>
-        </p:spPr>
-        <p:style>
-          <a:lnRef idx="0">
-            <a:scrgbClr r="0" g="0" b="0"/>
-          </a:lnRef>
-          <a:fillRef idx="0">
-            <a:scrgbClr r="0" g="0" b="0"/>
-          </a:fillRef>
-          <a:effectRef idx="0">
-            <a:scrgbClr r="0" g="0" b="0"/>
-          </a:effectRef>
-          <a:fontRef idx="minor">
-            <a:schemeClr val="lt1"/>
-          </a:fontRef>
-        </p:style>
-        <p:txBody>
-          <a:bodyPr rtlCol="0" anchor="ctr"/>
-          <a:lstStyle/>
-          <a:p>
-            <a:pPr algn="ctr"/>
-            <a:endParaRPr lang="fr-FR"/>
-          </a:p>
-        </p:txBody>
-      </p:sp>
-      <p:sp>
-        <p:nvSpPr>
-          <p:cNvPr id="4" name="ZoneTexte 3"/>
-          <p:cNvSpPr txBox="1"/>
-          <p:nvPr/>
-        </p:nvSpPr>
-        <p:spPr>
-          <a:xfrm>
-            <a:off x="162732" y="116238"/>
-            <a:ext cx="2133918" cy="369332"/>
-          </a:xfrm>
-          <a:prstGeom prst="rect">
-            <a:avLst/>
-          </a:prstGeom>
-          <a:noFill/>
-        </p:spPr>
-        <p:txBody>
-          <a:bodyPr wrap="none" rtlCol="0">
-            <a:spAutoFit/>
-          </a:bodyPr>
-          <a:lstStyle/>
-          <a:p>
-            <a:r>
-              <a:rPr lang="fr-FR" b="1" dirty="0">
-                <a:latin typeface="Arial" panose="020B0604020202020204" pitchFamily="34" charset="0"/>
-                <a:cs typeface="Arial" panose="020B0604020202020204" pitchFamily="34" charset="0"/>
-              </a:rPr>
-              <a:t>Scripts standards</a:t>
-            </a:r>
-            <a:endParaRPr lang="fr-FR" dirty="0">
-              <a:latin typeface="Arial" panose="020B0604020202020204" pitchFamily="34" charset="0"/>
-              <a:cs typeface="Arial" panose="020B0604020202020204" pitchFamily="34" charset="0"/>
-            </a:endParaRPr>
-          </a:p>
-        </p:txBody>
-      </p:sp>
-      <p:cxnSp>
-        <p:nvCxnSpPr>
-          <p:cNvPr id="6" name="Connecteur droit 5"/>
-          <p:cNvCxnSpPr/>
-          <p:nvPr/>
-        </p:nvCxnSpPr>
-        <p:spPr>
-          <a:xfrm>
-            <a:off x="278969" y="604434"/>
-            <a:ext cx="8562814" cy="0"/>
-          </a:xfrm>
-          <a:prstGeom prst="line">
-            <a:avLst/>
-          </a:prstGeom>
-        </p:spPr>
-        <p:style>
-          <a:lnRef idx="1">
-            <a:schemeClr val="accent2"/>
-          </a:lnRef>
-          <a:fillRef idx="0">
-            <a:schemeClr val="accent2"/>
-          </a:fillRef>
-          <a:effectRef idx="0">
-            <a:schemeClr val="accent2"/>
-          </a:effectRef>
-          <a:fontRef idx="minor">
-            <a:schemeClr val="tx1"/>
-          </a:fontRef>
-        </p:style>
-      </p:cxnSp>
-      <p:sp>
-        <p:nvSpPr>
-          <p:cNvPr id="21" name="ZoneTexte 20"/>
-          <p:cNvSpPr txBox="1"/>
-          <p:nvPr/>
-        </p:nvSpPr>
-        <p:spPr>
-          <a:xfrm>
-            <a:off x="194659" y="3464517"/>
-            <a:ext cx="1141896" cy="307777"/>
-          </a:xfrm>
-          <a:prstGeom prst="rect">
-            <a:avLst/>
-          </a:prstGeom>
-          <a:noFill/>
-        </p:spPr>
-        <p:txBody>
-          <a:bodyPr wrap="square" rtlCol="0">
-            <a:spAutoFit/>
-          </a:bodyPr>
-          <a:lstStyle/>
-          <a:p>
-            <a:pPr algn="ctr"/>
-            <a:r>
-              <a:rPr lang="fr-FR" sz="1400" dirty="0" err="1">
-                <a:latin typeface="Arial" panose="020B0604020202020204" pitchFamily="34" charset="0"/>
-                <a:cs typeface="Arial" panose="020B0604020202020204" pitchFamily="34" charset="0"/>
-              </a:rPr>
-              <a:t>std_ml</a:t>
-            </a:r>
-            <a:endParaRPr lang="fr-FR" sz="1400" dirty="0">
-              <a:latin typeface="Arial" panose="020B0604020202020204" pitchFamily="34" charset="0"/>
-              <a:cs typeface="Arial" panose="020B0604020202020204" pitchFamily="34" charset="0"/>
-            </a:endParaRPr>
-          </a:p>
-        </p:txBody>
-      </p:sp>
-      <p:pic>
-        <p:nvPicPr>
-          <p:cNvPr id="1030" name="Picture 6" descr="File:OneDrive Folder Icon.svg - Wikimedia Commons"/>
-          <p:cNvPicPr>
-            <a:picLocks noChangeAspect="1" noChangeArrowheads="1"/>
-          </p:cNvPicPr>
-          <p:nvPr/>
-        </p:nvPicPr>
-        <p:blipFill>
-          <a:blip r:embed="rId2" cstate="print">
-            <a:extLst>
-              <a:ext uri="{28A0092B-C50C-407E-A947-70E740481C1C}">
-                <a14:useLocalDpi xmlns:a14="http://schemas.microsoft.com/office/drawing/2010/main" val="0"/>
-              </a:ext>
-            </a:extLst>
-          </a:blip>
-          <a:srcRect/>
-          <a:stretch>
-            <a:fillRect/>
-          </a:stretch>
-        </p:blipFill>
-        <p:spPr bwMode="auto">
-          <a:xfrm>
-            <a:off x="286084" y="2637327"/>
-            <a:ext cx="959039" cy="959039"/>
-          </a:xfrm>
-          <a:prstGeom prst="rect">
-            <a:avLst/>
-          </a:prstGeom>
-          <a:noFill/>
-          <a:extLst>
-            <a:ext uri="{909E8E84-426E-40DD-AFC4-6F175D3DCCD1}">
-              <a14:hiddenFill xmlns:a14="http://schemas.microsoft.com/office/drawing/2010/main">
-                <a:solidFill>
-                  <a:srgbClr val="FFFFFF"/>
-                </a:solidFill>
-              </a14:hiddenFill>
-            </a:ext>
-          </a:extLst>
-        </p:spPr>
-      </p:pic>
-      <p:pic>
-        <p:nvPicPr>
-          <p:cNvPr id="25" name="Picture 4" descr="Python icon - Free download on Iconfinder"/>
-          <p:cNvPicPr>
-            <a:picLocks noChangeAspect="1" noChangeArrowheads="1"/>
-          </p:cNvPicPr>
-          <p:nvPr/>
-        </p:nvPicPr>
-        <p:blipFill>
-          <a:blip r:embed="rId3" cstate="print">
-            <a:extLst>
-              <a:ext uri="{28A0092B-C50C-407E-A947-70E740481C1C}">
-                <a14:useLocalDpi xmlns:a14="http://schemas.microsoft.com/office/drawing/2010/main" val="0"/>
-              </a:ext>
-            </a:extLst>
-          </a:blip>
-          <a:srcRect/>
-          <a:stretch>
-            <a:fillRect/>
-          </a:stretch>
-        </p:blipFill>
-        <p:spPr bwMode="auto">
-          <a:xfrm>
-            <a:off x="1960915" y="2711136"/>
-            <a:ext cx="811420" cy="811420"/>
-          </a:xfrm>
-          <a:prstGeom prst="rect">
-            <a:avLst/>
-          </a:prstGeom>
-          <a:noFill/>
-          <a:extLst>
-            <a:ext uri="{909E8E84-426E-40DD-AFC4-6F175D3DCCD1}">
-              <a14:hiddenFill xmlns:a14="http://schemas.microsoft.com/office/drawing/2010/main">
-                <a:solidFill>
-                  <a:srgbClr val="FFFFFF"/>
-                </a:solidFill>
-              </a14:hiddenFill>
-            </a:ext>
-          </a:extLst>
-        </p:spPr>
-      </p:pic>
-      <p:sp>
-        <p:nvSpPr>
-          <p:cNvPr id="26" name="ZoneTexte 25"/>
-          <p:cNvSpPr txBox="1"/>
-          <p:nvPr/>
-        </p:nvSpPr>
-        <p:spPr>
-          <a:xfrm>
-            <a:off x="1891174" y="3526101"/>
-            <a:ext cx="950902" cy="307777"/>
-          </a:xfrm>
-          <a:prstGeom prst="rect">
-            <a:avLst/>
-          </a:prstGeom>
-          <a:noFill/>
-        </p:spPr>
-        <p:txBody>
-          <a:bodyPr wrap="none" rtlCol="0">
-            <a:spAutoFit/>
-          </a:bodyPr>
-          <a:lstStyle/>
-          <a:p>
-            <a:pPr algn="ctr"/>
-            <a:r>
-              <a:rPr lang="fr-FR" sz="1400" dirty="0">
-                <a:latin typeface="Arial" panose="020B0604020202020204" pitchFamily="34" charset="0"/>
-                <a:cs typeface="Arial" panose="020B0604020202020204" pitchFamily="34" charset="0"/>
-              </a:rPr>
-              <a:t>std_ml.py</a:t>
-            </a:r>
-          </a:p>
-        </p:txBody>
-      </p:sp>
-      <p:sp>
-        <p:nvSpPr>
-          <p:cNvPr id="27" name="ZoneTexte 26"/>
-          <p:cNvSpPr txBox="1"/>
-          <p:nvPr/>
-        </p:nvSpPr>
-        <p:spPr>
-          <a:xfrm>
-            <a:off x="2074200" y="4600167"/>
-            <a:ext cx="721672" cy="307777"/>
-          </a:xfrm>
-          <a:prstGeom prst="rect">
-            <a:avLst/>
-          </a:prstGeom>
-          <a:noFill/>
-        </p:spPr>
-        <p:txBody>
-          <a:bodyPr wrap="none" rtlCol="0">
-            <a:spAutoFit/>
-          </a:bodyPr>
-          <a:lstStyle/>
-          <a:p>
-            <a:pPr algn="ctr"/>
-            <a:r>
-              <a:rPr lang="fr-FR" sz="1400" dirty="0">
-                <a:latin typeface="Arial" panose="020B0604020202020204" pitchFamily="34" charset="0"/>
-                <a:cs typeface="Arial" panose="020B0604020202020204" pitchFamily="34" charset="0"/>
-              </a:rPr>
-              <a:t>std_q7</a:t>
-            </a:r>
-          </a:p>
-        </p:txBody>
-      </p:sp>
-      <p:pic>
-        <p:nvPicPr>
-          <p:cNvPr id="28" name="Picture 6" descr="File:OneDrive Folder Icon.svg - Wikimedia Commons"/>
-          <p:cNvPicPr>
-            <a:picLocks noChangeAspect="1" noChangeArrowheads="1"/>
-          </p:cNvPicPr>
-          <p:nvPr/>
-        </p:nvPicPr>
-        <p:blipFill>
-          <a:blip r:embed="rId2" cstate="print">
-            <a:extLst>
-              <a:ext uri="{28A0092B-C50C-407E-A947-70E740481C1C}">
-                <a14:useLocalDpi xmlns:a14="http://schemas.microsoft.com/office/drawing/2010/main" val="0"/>
-              </a:ext>
-            </a:extLst>
-          </a:blip>
-          <a:srcRect/>
-          <a:stretch>
-            <a:fillRect/>
-          </a:stretch>
-        </p:blipFill>
-        <p:spPr bwMode="auto">
-          <a:xfrm>
-            <a:off x="1955517" y="3772977"/>
-            <a:ext cx="959039" cy="959039"/>
-          </a:xfrm>
-          <a:prstGeom prst="rect">
-            <a:avLst/>
-          </a:prstGeom>
-          <a:noFill/>
-          <a:extLst>
-            <a:ext uri="{909E8E84-426E-40DD-AFC4-6F175D3DCCD1}">
-              <a14:hiddenFill xmlns:a14="http://schemas.microsoft.com/office/drawing/2010/main">
-                <a:solidFill>
-                  <a:srgbClr val="FFFFFF"/>
-                </a:solidFill>
-              </a14:hiddenFill>
-            </a:ext>
-          </a:extLst>
-        </p:spPr>
-      </p:pic>
-      <p:pic>
-        <p:nvPicPr>
-          <p:cNvPr id="29" name="Picture 4" descr="Python icon - Free download on Iconfinder"/>
-          <p:cNvPicPr>
-            <a:picLocks noChangeAspect="1" noChangeArrowheads="1"/>
-          </p:cNvPicPr>
-          <p:nvPr/>
-        </p:nvPicPr>
-        <p:blipFill>
-          <a:blip r:embed="rId3" cstate="print">
-            <a:extLst>
-              <a:ext uri="{28A0092B-C50C-407E-A947-70E740481C1C}">
-                <a14:useLocalDpi xmlns:a14="http://schemas.microsoft.com/office/drawing/2010/main" val="0"/>
-              </a:ext>
-            </a:extLst>
-          </a:blip>
-          <a:srcRect/>
-          <a:stretch>
-            <a:fillRect/>
-          </a:stretch>
-        </p:blipFill>
-        <p:spPr bwMode="auto">
-          <a:xfrm>
-            <a:off x="3259942" y="3846786"/>
-            <a:ext cx="811420" cy="811420"/>
-          </a:xfrm>
-          <a:prstGeom prst="rect">
-            <a:avLst/>
-          </a:prstGeom>
-          <a:noFill/>
-          <a:extLst>
-            <a:ext uri="{909E8E84-426E-40DD-AFC4-6F175D3DCCD1}">
-              <a14:hiddenFill xmlns:a14="http://schemas.microsoft.com/office/drawing/2010/main">
-                <a:solidFill>
-                  <a:srgbClr val="FFFFFF"/>
-                </a:solidFill>
-              </a14:hiddenFill>
-            </a:ext>
-          </a:extLst>
-        </p:spPr>
-      </p:pic>
-      <p:sp>
-        <p:nvSpPr>
-          <p:cNvPr id="30" name="ZoneTexte 29"/>
-          <p:cNvSpPr txBox="1"/>
-          <p:nvPr/>
-        </p:nvSpPr>
-        <p:spPr>
-          <a:xfrm>
-            <a:off x="3180734" y="4661068"/>
-            <a:ext cx="960519" cy="307777"/>
-          </a:xfrm>
-          <a:prstGeom prst="rect">
-            <a:avLst/>
-          </a:prstGeom>
-          <a:noFill/>
-        </p:spPr>
-        <p:txBody>
-          <a:bodyPr wrap="none" rtlCol="0">
-            <a:spAutoFit/>
-          </a:bodyPr>
-          <a:lstStyle/>
-          <a:p>
-            <a:pPr algn="ctr"/>
-            <a:r>
-              <a:rPr lang="fr-FR" sz="1400" dirty="0">
-                <a:latin typeface="Arial" panose="020B0604020202020204" pitchFamily="34" charset="0"/>
-                <a:cs typeface="Arial" panose="020B0604020202020204" pitchFamily="34" charset="0"/>
-              </a:rPr>
-              <a:t>std_q7.py</a:t>
-            </a:r>
-          </a:p>
-        </p:txBody>
-      </p:sp>
-      <p:cxnSp>
-        <p:nvCxnSpPr>
-          <p:cNvPr id="47" name="Connecteur droit avec flèche 46"/>
-          <p:cNvCxnSpPr>
-            <a:stCxn id="1030" idx="3"/>
-            <a:endCxn id="25" idx="1"/>
-          </p:cNvCxnSpPr>
-          <p:nvPr/>
-        </p:nvCxnSpPr>
-        <p:spPr>
-          <a:xfrm flipV="1">
-            <a:off x="1245123" y="3116846"/>
-            <a:ext cx="715792" cy="1"/>
-          </a:xfrm>
-          <a:prstGeom prst="straightConnector1">
-            <a:avLst/>
-          </a:prstGeom>
-          <a:ln w="9525" cap="flat" cmpd="sng" algn="ctr">
-            <a:solidFill>
-              <a:schemeClr val="dk1"/>
-            </a:solidFill>
-            <a:prstDash val="solid"/>
-            <a:round/>
-            <a:headEnd type="none" w="med" len="med"/>
-            <a:tailEnd type="arrow" w="med" len="med"/>
-          </a:ln>
-        </p:spPr>
-        <p:style>
-          <a:lnRef idx="0">
-            <a:scrgbClr r="0" g="0" b="0"/>
-          </a:lnRef>
-          <a:fillRef idx="0">
-            <a:scrgbClr r="0" g="0" b="0"/>
-          </a:fillRef>
-          <a:effectRef idx="0">
-            <a:scrgbClr r="0" g="0" b="0"/>
-          </a:effectRef>
-          <a:fontRef idx="minor">
-            <a:schemeClr val="tx1"/>
-          </a:fontRef>
-        </p:style>
-      </p:cxnSp>
-      <p:cxnSp>
-        <p:nvCxnSpPr>
-          <p:cNvPr id="51" name="Connecteur en angle 50"/>
-          <p:cNvCxnSpPr>
-            <a:stCxn id="1030" idx="3"/>
-            <a:endCxn id="28" idx="1"/>
-          </p:cNvCxnSpPr>
-          <p:nvPr/>
-        </p:nvCxnSpPr>
-        <p:spPr>
-          <a:xfrm>
-            <a:off x="1245123" y="3116847"/>
-            <a:ext cx="710394" cy="1135650"/>
-          </a:xfrm>
-          <a:prstGeom prst="bentConnector3">
-            <a:avLst>
-              <a:gd name="adj1" fmla="val 50000"/>
-            </a:avLst>
-          </a:prstGeom>
-          <a:ln w="9525" cap="flat" cmpd="sng" algn="ctr">
-            <a:solidFill>
-              <a:schemeClr val="dk1"/>
-            </a:solidFill>
-            <a:prstDash val="solid"/>
-            <a:round/>
-            <a:headEnd type="none" w="med" len="med"/>
-            <a:tailEnd type="arrow" w="med" len="med"/>
-          </a:ln>
-        </p:spPr>
-        <p:style>
-          <a:lnRef idx="0">
-            <a:scrgbClr r="0" g="0" b="0"/>
-          </a:lnRef>
-          <a:fillRef idx="0">
-            <a:scrgbClr r="0" g="0" b="0"/>
-          </a:fillRef>
-          <a:effectRef idx="0">
-            <a:scrgbClr r="0" g="0" b="0"/>
-          </a:effectRef>
-          <a:fontRef idx="minor">
-            <a:schemeClr val="tx1"/>
-          </a:fontRef>
-        </p:style>
-      </p:cxnSp>
-      <p:cxnSp>
-        <p:nvCxnSpPr>
-          <p:cNvPr id="55" name="Connecteur droit avec flèche 54"/>
-          <p:cNvCxnSpPr>
-            <a:stCxn id="28" idx="3"/>
-            <a:endCxn id="29" idx="1"/>
-          </p:cNvCxnSpPr>
-          <p:nvPr/>
-        </p:nvCxnSpPr>
-        <p:spPr>
-          <a:xfrm flipV="1">
-            <a:off x="2914556" y="4252496"/>
-            <a:ext cx="345386" cy="1"/>
-          </a:xfrm>
-          <a:prstGeom prst="straightConnector1">
-            <a:avLst/>
-          </a:prstGeom>
-          <a:ln w="9525" cap="flat" cmpd="sng" algn="ctr">
-            <a:solidFill>
-              <a:schemeClr val="dk1"/>
-            </a:solidFill>
-            <a:prstDash val="solid"/>
-            <a:round/>
-            <a:headEnd type="none" w="med" len="med"/>
-            <a:tailEnd type="arrow" w="med" len="med"/>
-          </a:ln>
-        </p:spPr>
-        <p:style>
-          <a:lnRef idx="0">
-            <a:scrgbClr r="0" g="0" b="0"/>
-          </a:lnRef>
-          <a:fillRef idx="0">
-            <a:scrgbClr r="0" g="0" b="0"/>
-          </a:fillRef>
-          <a:effectRef idx="0">
-            <a:scrgbClr r="0" g="0" b="0"/>
-          </a:effectRef>
-          <a:fontRef idx="minor">
-            <a:schemeClr val="tx1"/>
-          </a:fontRef>
-        </p:style>
-      </p:cxnSp>
-      <p:pic>
-        <p:nvPicPr>
-          <p:cNvPr id="3" name="Image 2"/>
-          <p:cNvPicPr>
-            <a:picLocks noChangeAspect="1"/>
-          </p:cNvPicPr>
-          <p:nvPr/>
-        </p:nvPicPr>
-        <p:blipFill rotWithShape="1">
-          <a:blip r:embed="rId4">
-            <a:extLst>
-              <a:ext uri="{BEBA8EAE-BF5A-486C-A8C5-ECC9F3942E4B}">
-                <a14:imgProps xmlns:a14="http://schemas.microsoft.com/office/drawing/2010/main">
-                  <a14:imgLayer r:embed="rId5">
-                    <a14:imgEffect>
-                      <a14:brightnessContrast bright="40000" contrast="40000"/>
-                    </a14:imgEffect>
-                  </a14:imgLayer>
-                </a14:imgProps>
-              </a:ext>
-            </a:extLst>
-          </a:blip>
-          <a:srcRect t="16832"/>
-          <a:stretch/>
-        </p:blipFill>
-        <p:spPr>
-          <a:xfrm>
-            <a:off x="4651378" y="1272743"/>
-            <a:ext cx="4190405" cy="2108618"/>
-          </a:xfrm>
-          <a:prstGeom prst="rect">
-            <a:avLst/>
-          </a:prstGeom>
-        </p:spPr>
-      </p:pic>
-      <p:pic>
-        <p:nvPicPr>
-          <p:cNvPr id="14" name="Image 13"/>
-          <p:cNvPicPr>
-            <a:picLocks noChangeAspect="1"/>
-          </p:cNvPicPr>
-          <p:nvPr/>
-        </p:nvPicPr>
-        <p:blipFill rotWithShape="1">
-          <a:blip r:embed="rId6">
-            <a:extLst>
-              <a:ext uri="{BEBA8EAE-BF5A-486C-A8C5-ECC9F3942E4B}">
-                <a14:imgProps xmlns:a14="http://schemas.microsoft.com/office/drawing/2010/main">
-                  <a14:imgLayer r:embed="rId7">
-                    <a14:imgEffect>
-                      <a14:brightnessContrast bright="40000" contrast="40000"/>
-                    </a14:imgEffect>
-                  </a14:imgLayer>
-                </a14:imgProps>
-              </a:ext>
-            </a:extLst>
-          </a:blip>
-          <a:srcRect t="14169"/>
-          <a:stretch/>
-        </p:blipFill>
-        <p:spPr>
-          <a:xfrm>
-            <a:off x="4648216" y="4168908"/>
-            <a:ext cx="4364874" cy="2303477"/>
-          </a:xfrm>
-          <a:prstGeom prst="rect">
-            <a:avLst/>
-          </a:prstGeom>
-        </p:spPr>
-      </p:pic>
-      <p:sp>
-        <p:nvSpPr>
-          <p:cNvPr id="56" name="ZoneTexte 55"/>
-          <p:cNvSpPr txBox="1"/>
-          <p:nvPr/>
-        </p:nvSpPr>
-        <p:spPr>
-          <a:xfrm>
-            <a:off x="6236665" y="964966"/>
-            <a:ext cx="1019831" cy="307777"/>
-          </a:xfrm>
-          <a:prstGeom prst="rect">
-            <a:avLst/>
-          </a:prstGeom>
-          <a:noFill/>
-        </p:spPr>
-        <p:txBody>
-          <a:bodyPr wrap="none" rtlCol="0">
-            <a:spAutoFit/>
-          </a:bodyPr>
-          <a:lstStyle/>
-          <a:p>
-            <a:pPr algn="ctr"/>
-            <a:r>
-              <a:rPr lang="fr-FR" sz="1400" b="1" dirty="0">
-                <a:latin typeface="Arial" panose="020B0604020202020204" pitchFamily="34" charset="0"/>
-                <a:cs typeface="Arial" panose="020B0604020202020204" pitchFamily="34" charset="0"/>
-              </a:rPr>
-              <a:t>std_ml.py</a:t>
-            </a:r>
-          </a:p>
-        </p:txBody>
-      </p:sp>
-      <p:sp>
-        <p:nvSpPr>
-          <p:cNvPr id="58" name="ZoneTexte 57"/>
-          <p:cNvSpPr txBox="1"/>
-          <p:nvPr/>
-        </p:nvSpPr>
-        <p:spPr>
-          <a:xfrm>
-            <a:off x="6321540" y="3847426"/>
-            <a:ext cx="1018228" cy="307777"/>
-          </a:xfrm>
-          <a:prstGeom prst="rect">
-            <a:avLst/>
-          </a:prstGeom>
-          <a:noFill/>
-        </p:spPr>
-        <p:txBody>
-          <a:bodyPr wrap="none" rtlCol="0">
-            <a:spAutoFit/>
-          </a:bodyPr>
-          <a:lstStyle/>
-          <a:p>
-            <a:pPr algn="ctr"/>
-            <a:r>
-              <a:rPr lang="fr-FR" sz="1400" b="1" dirty="0">
-                <a:latin typeface="Arial" panose="020B0604020202020204" pitchFamily="34" charset="0"/>
-                <a:cs typeface="Arial" panose="020B0604020202020204" pitchFamily="34" charset="0"/>
-              </a:rPr>
-              <a:t>std_q7.py</a:t>
-            </a:r>
-          </a:p>
-        </p:txBody>
-      </p:sp>
-    </p:spTree>
-    <p:extLst>
-      <p:ext uri="{BB962C8B-B14F-4D97-AF65-F5344CB8AC3E}">
-        <p14:creationId xmlns:p14="http://schemas.microsoft.com/office/powerpoint/2010/main" val="176212419"/>
       </p:ext>
     </p:extLst>
   </p:cSld>
